--- a/Presentaciones/P3_MACHINE_LEARNING-sklearn-regresion_logistica.pptx
+++ b/Presentaciones/P3_MACHINE_LEARNING-sklearn-regresion_logistica.pptx
@@ -27045,7 +27045,7 @@
                 <a:cs typeface="Calibri" panose="020F0502020204030204" pitchFamily="34" charset="0"/>
                 <a:sym typeface="Calibri"/>
               </a:rPr>
-              <a:t>Árboles de decisión</a:t>
+              <a:t>Árboles de clasificación y regresión</a:t>
             </a:r>
             <a:endParaRPr sz="1200" dirty="0">
               <a:latin typeface="Calibri" panose="020F0502020204030204" pitchFamily="34" charset="0"/>
@@ -27411,7 +27411,7 @@
                 <a:cs typeface="Arial" panose="020B0604020202020204" pitchFamily="34" charset="0"/>
                 <a:sym typeface="Calibri"/>
               </a:rPr>
-              <a:t>Árboles de decisión.</a:t>
+              <a:t>Árboles de clasificación y regresión.</a:t>
             </a:r>
           </a:p>
           <a:p>
@@ -28571,8 +28571,8 @@
         </p:nvSpPr>
         <p:spPr>
           <a:xfrm>
-            <a:off x="1709351" y="3136164"/>
-            <a:ext cx="7580870" cy="2469877"/>
+            <a:off x="222422" y="3136164"/>
+            <a:ext cx="10008973" cy="2839208"/>
           </a:xfrm>
           <a:prstGeom prst="rect">
             <a:avLst/>
@@ -28592,407 +28592,366 @@
               <a:buSzPts val="3200"/>
             </a:pPr>
             <a:r>
+              <a:rPr lang="es-ES" sz="2800" b="1" dirty="0" err="1">
+                <a:solidFill>
+                  <a:srgbClr val="FFC000"/>
+                </a:solidFill>
+                <a:latin typeface="+mn-lt"/>
+                <a:ea typeface="Calibri"/>
+                <a:cs typeface="Calibri"/>
+                <a:sym typeface="Calibri"/>
+              </a:rPr>
+              <a:t>Faculty</a:t>
+            </a:r>
+            <a:r>
+              <a:rPr lang="es-ES" sz="2800" b="1" dirty="0">
+                <a:solidFill>
+                  <a:srgbClr val="FFC000"/>
+                </a:solidFill>
+                <a:latin typeface="+mn-lt"/>
+                <a:ea typeface="Calibri"/>
+                <a:cs typeface="Calibri"/>
+                <a:sym typeface="Calibri"/>
+              </a:rPr>
+              <a:t>: 	</a:t>
+            </a:r>
+            <a:r>
+              <a:rPr lang="es-ES" sz="2800" b="1" dirty="0" err="1">
+                <a:solidFill>
+                  <a:srgbClr val="FFC000"/>
+                </a:solidFill>
+                <a:latin typeface="+mn-lt"/>
+                <a:ea typeface="Calibri"/>
+                <a:cs typeface="Calibri"/>
+                <a:sym typeface="Calibri"/>
+              </a:rPr>
+              <a:t>S</a:t>
+            </a:r>
+            <a:r>
+              <a:rPr lang="es-ES" sz="2800" dirty="0" err="1">
+                <a:solidFill>
+                  <a:srgbClr val="FFC000"/>
+                </a:solidFill>
+                <a:latin typeface="+mn-lt"/>
+                <a:ea typeface="Calibri"/>
+                <a:cs typeface="Calibri"/>
+                <a:sym typeface="Calibri"/>
+              </a:rPr>
+              <a:t>ystems</a:t>
+            </a:r>
+            <a:r>
+              <a:rPr lang="es-ES" sz="2800" dirty="0">
+                <a:solidFill>
+                  <a:srgbClr val="FFC000"/>
+                </a:solidFill>
+                <a:latin typeface="+mn-lt"/>
+                <a:ea typeface="Calibri"/>
+                <a:cs typeface="Calibri"/>
+                <a:sym typeface="Calibri"/>
+              </a:rPr>
+              <a:t> </a:t>
+            </a:r>
+            <a:r>
+              <a:rPr lang="es-ES" sz="2800" dirty="0" err="1">
+                <a:solidFill>
+                  <a:srgbClr val="FFC000"/>
+                </a:solidFill>
+                <a:latin typeface="+mn-lt"/>
+                <a:ea typeface="Calibri"/>
+                <a:cs typeface="Calibri"/>
+                <a:sym typeface="Calibri"/>
+              </a:rPr>
+              <a:t>engineer</a:t>
+            </a:r>
+            <a:endParaRPr sz="2800" dirty="0">
+              <a:solidFill>
+                <a:srgbClr val="FFC000"/>
+              </a:solidFill>
+              <a:latin typeface="+mn-lt"/>
+              <a:ea typeface="Calibri"/>
+              <a:cs typeface="Calibri"/>
+              <a:sym typeface="Calibri"/>
+            </a:endParaRPr>
+          </a:p>
+          <a:p>
+            <a:pPr defTabSz="685800">
+              <a:buSzPts val="3200"/>
+            </a:pPr>
+            <a:r>
+              <a:rPr lang="es-ES" sz="2800" b="1" dirty="0" err="1">
+                <a:solidFill>
+                  <a:srgbClr val="FFC000"/>
+                </a:solidFill>
+                <a:latin typeface="+mn-lt"/>
+                <a:ea typeface="Calibri"/>
+                <a:cs typeface="Calibri"/>
+                <a:sym typeface="Calibri"/>
+              </a:rPr>
+              <a:t>Course</a:t>
+            </a:r>
+            <a:r>
+              <a:rPr lang="es-ES" sz="2800" b="1" dirty="0">
+                <a:solidFill>
+                  <a:srgbClr val="FFC000"/>
+                </a:solidFill>
+                <a:latin typeface="+mn-lt"/>
+                <a:ea typeface="Calibri"/>
+                <a:cs typeface="Calibri"/>
+                <a:sym typeface="Calibri"/>
+              </a:rPr>
+              <a:t>: 	</a:t>
+            </a:r>
+            <a:r>
+              <a:rPr lang="es-ES" sz="2800" dirty="0">
+                <a:solidFill>
+                  <a:srgbClr val="FFC000"/>
+                </a:solidFill>
+                <a:latin typeface="+mn-lt"/>
+                <a:ea typeface="Calibri"/>
+                <a:cs typeface="Calibri"/>
+                <a:sym typeface="Calibri"/>
+              </a:rPr>
+              <a:t>Deep Learning</a:t>
+            </a:r>
+            <a:endParaRPr sz="2800" b="1" dirty="0">
+              <a:solidFill>
+                <a:srgbClr val="FFC000"/>
+              </a:solidFill>
+              <a:latin typeface="+mn-lt"/>
+              <a:ea typeface="Calibri"/>
+              <a:cs typeface="Calibri"/>
+              <a:sym typeface="Calibri"/>
+            </a:endParaRPr>
+          </a:p>
+          <a:p>
+            <a:pPr defTabSz="685800">
+              <a:buSzPts val="3200"/>
+            </a:pPr>
+            <a:r>
+              <a:rPr lang="es-ES" sz="2800" b="1" dirty="0" err="1">
+                <a:solidFill>
+                  <a:srgbClr val="FFC000"/>
+                </a:solidFill>
+                <a:latin typeface="+mn-lt"/>
+                <a:ea typeface="Calibri"/>
+                <a:cs typeface="Calibri"/>
+                <a:sym typeface="Calibri"/>
+              </a:rPr>
+              <a:t>Topic</a:t>
+            </a:r>
+            <a:r>
+              <a:rPr lang="es-ES" sz="2800" b="1" dirty="0">
+                <a:solidFill>
+                  <a:srgbClr val="FFC000"/>
+                </a:solidFill>
+                <a:latin typeface="+mn-lt"/>
+                <a:ea typeface="Calibri"/>
+                <a:cs typeface="Calibri"/>
+                <a:sym typeface="Calibri"/>
+              </a:rPr>
+              <a:t>:  		</a:t>
+            </a:r>
+            <a:r>
+              <a:rPr lang="es-CO" sz="2800" b="1" dirty="0" err="1">
+                <a:solidFill>
+                  <a:srgbClr val="FFC000"/>
+                </a:solidFill>
+                <a:latin typeface="+mn-lt"/>
+                <a:ea typeface="Calibri"/>
+                <a:cs typeface="Calibri"/>
+                <a:sym typeface="Calibri"/>
+              </a:rPr>
+              <a:t>Sklearn</a:t>
+            </a:r>
+            <a:r>
+              <a:rPr lang="es-CO" sz="2800" b="1" dirty="0">
+                <a:solidFill>
+                  <a:srgbClr val="FFC000"/>
+                </a:solidFill>
+                <a:latin typeface="+mn-lt"/>
+                <a:ea typeface="Calibri"/>
+                <a:cs typeface="Calibri"/>
+                <a:sym typeface="Calibri"/>
+              </a:rPr>
+              <a:t> – regresión logística </a:t>
+            </a:r>
+            <a:endParaRPr sz="1100" dirty="0">
+              <a:solidFill>
+                <a:srgbClr val="FFC000"/>
+              </a:solidFill>
+              <a:latin typeface="+mn-lt"/>
+            </a:endParaRPr>
+          </a:p>
+          <a:p>
+            <a:pPr defTabSz="685800">
+              <a:buSzPts val="2800"/>
+            </a:pPr>
+            <a:r>
+              <a:rPr lang="es-ES" sz="2400" b="1" dirty="0">
+                <a:solidFill>
+                  <a:srgbClr val="FFC000"/>
+                </a:solidFill>
+                <a:latin typeface="+mn-lt"/>
+                <a:ea typeface="Calibri"/>
+                <a:cs typeface="Calibri"/>
+                <a:sym typeface="Calibri"/>
+              </a:rPr>
+              <a:t>________________________________________________</a:t>
+            </a:r>
+            <a:endParaRPr sz="1100" dirty="0">
+              <a:solidFill>
+                <a:srgbClr val="FFC000"/>
+              </a:solidFill>
+              <a:latin typeface="+mn-lt"/>
+            </a:endParaRPr>
+          </a:p>
+          <a:p>
+            <a:pPr defTabSz="685800">
+              <a:buSzPts val="2800"/>
+            </a:pPr>
+            <a:r>
               <a:rPr lang="es-ES" sz="2400" b="1" dirty="0" err="1">
                 <a:solidFill>
                   <a:srgbClr val="FFC000"/>
                 </a:solidFill>
-                <a:latin typeface="Calibri"/>
+                <a:latin typeface="+mn-lt"/>
                 <a:ea typeface="Calibri"/>
                 <a:cs typeface="Calibri"/>
                 <a:sym typeface="Calibri"/>
               </a:rPr>
-              <a:t>Faculty</a:t>
+              <a:t>Professor</a:t>
             </a:r>
             <a:r>
               <a:rPr lang="es-ES" sz="2400" b="1" dirty="0">
                 <a:solidFill>
                   <a:srgbClr val="FFC000"/>
                 </a:solidFill>
-                <a:latin typeface="Calibri"/>
+                <a:latin typeface="+mn-lt"/>
                 <a:ea typeface="Calibri"/>
                 <a:cs typeface="Calibri"/>
                 <a:sym typeface="Calibri"/>
               </a:rPr>
-              <a:t>: 	</a:t>
-            </a:r>
-            <a:r>
-              <a:rPr lang="es-ES" sz="2400" b="1" dirty="0" err="1">
+              <a:t>:</a:t>
+            </a:r>
+            <a:r>
+              <a:rPr lang="es-ES" sz="2400" dirty="0">
                 <a:solidFill>
                   <a:srgbClr val="FFC000"/>
                 </a:solidFill>
-                <a:latin typeface="Calibri"/>
+                <a:latin typeface="+mn-lt"/>
                 <a:ea typeface="Calibri"/>
                 <a:cs typeface="Calibri"/>
                 <a:sym typeface="Calibri"/>
               </a:rPr>
-              <a:t>S</a:t>
-            </a:r>
-            <a:r>
-              <a:rPr lang="es-ES" sz="2400" dirty="0" err="1">
+              <a:t> 	Luis Fernando Castellanos Guarin</a:t>
+            </a:r>
+            <a:endParaRPr sz="1100" dirty="0">
+              <a:solidFill>
+                <a:srgbClr val="FFC000"/>
+              </a:solidFill>
+              <a:latin typeface="+mn-lt"/>
+            </a:endParaRPr>
+          </a:p>
+          <a:p>
+            <a:pPr defTabSz="685800">
+              <a:buSzPts val="2800"/>
+            </a:pPr>
+            <a:r>
+              <a:rPr lang="es-ES" sz="2400" b="1" dirty="0">
                 <a:solidFill>
                   <a:srgbClr val="FFC000"/>
                 </a:solidFill>
-                <a:latin typeface="Calibri"/>
+                <a:latin typeface="+mn-lt"/>
                 <a:ea typeface="Calibri"/>
                 <a:cs typeface="Calibri"/>
                 <a:sym typeface="Calibri"/>
               </a:rPr>
-              <a:t>ystems</a:t>
+              <a:t>Email:</a:t>
             </a:r>
             <a:r>
               <a:rPr lang="es-ES" sz="2400" dirty="0">
                 <a:solidFill>
                   <a:srgbClr val="FFC000"/>
                 </a:solidFill>
-                <a:latin typeface="Calibri"/>
+                <a:latin typeface="+mn-lt"/>
                 <a:ea typeface="Calibri"/>
                 <a:cs typeface="Calibri"/>
                 <a:sym typeface="Calibri"/>
               </a:rPr>
-              <a:t> </a:t>
-            </a:r>
-            <a:r>
-              <a:rPr lang="es-ES" sz="2400" dirty="0" err="1">
+              <a:t> 		</a:t>
+            </a:r>
+            <a:r>
+              <a:rPr lang="es-ES" sz="2400" dirty="0">
                 <a:solidFill>
                   <a:srgbClr val="FFC000"/>
                 </a:solidFill>
-                <a:latin typeface="Calibri"/>
-                <a:ea typeface="Calibri"/>
+                <a:latin typeface="+mn-lt"/>
                 <a:cs typeface="Calibri"/>
                 <a:sym typeface="Calibri"/>
-              </a:rPr>
-              <a:t>engineer</a:t>
+                <a:hlinkClick r:id="rId4">
+                  <a:extLst>
+                    <a:ext uri="{A12FA001-AC4F-418D-AE19-62706E023703}">
+                      <ahyp:hlinkClr xmlns:ahyp="http://schemas.microsoft.com/office/drawing/2018/hyperlinkcolor" val="tx"/>
+                    </a:ext>
+                  </a:extLst>
+                </a:hlinkClick>
+              </a:rPr>
+              <a:t>Luis.castellanosg@usantoto.edu.co</a:t>
             </a:r>
             <a:endParaRPr sz="2400" dirty="0">
               <a:solidFill>
                 <a:srgbClr val="FFC000"/>
               </a:solidFill>
-              <a:latin typeface="Calibri"/>
-              <a:ea typeface="Calibri"/>
+              <a:latin typeface="+mn-lt"/>
               <a:cs typeface="Calibri"/>
               <a:sym typeface="Calibri"/>
             </a:endParaRPr>
           </a:p>
           <a:p>
             <a:pPr defTabSz="685800">
-              <a:buSzPts val="3200"/>
+              <a:buSzPts val="2800"/>
             </a:pPr>
             <a:r>
               <a:rPr lang="es-ES" sz="2400" b="1" dirty="0" err="1">
                 <a:solidFill>
                   <a:srgbClr val="FFC000"/>
                 </a:solidFill>
-                <a:latin typeface="Calibri"/>
+                <a:latin typeface="+mn-lt"/>
                 <a:ea typeface="Calibri"/>
                 <a:cs typeface="Calibri"/>
                 <a:sym typeface="Calibri"/>
               </a:rPr>
-              <a:t>Course</a:t>
+              <a:t>Phone</a:t>
             </a:r>
             <a:r>
               <a:rPr lang="es-ES" sz="2400" b="1" dirty="0">
                 <a:solidFill>
                   <a:srgbClr val="FFC000"/>
                 </a:solidFill>
-                <a:latin typeface="Calibri"/>
+                <a:latin typeface="+mn-lt"/>
                 <a:ea typeface="Calibri"/>
                 <a:cs typeface="Calibri"/>
                 <a:sym typeface="Calibri"/>
               </a:rPr>
-              <a:t>: 	</a:t>
+              <a:t>: </a:t>
             </a:r>
             <a:r>
               <a:rPr lang="es-ES" sz="2400" dirty="0">
                 <a:solidFill>
                   <a:srgbClr val="FFC000"/>
                 </a:solidFill>
-                <a:latin typeface="Calibri"/>
+                <a:latin typeface="+mn-lt"/>
                 <a:ea typeface="Calibri"/>
                 <a:cs typeface="Calibri"/>
                 <a:sym typeface="Calibri"/>
               </a:rPr>
-              <a:t>Deep Learning</a:t>
-            </a:r>
-            <a:endParaRPr sz="2400" b="1" dirty="0">
+              <a:t>         	3214582098</a:t>
+            </a:r>
+            <a:endParaRPr sz="2800" dirty="0">
               <a:solidFill>
                 <a:srgbClr val="FFC000"/>
               </a:solidFill>
-              <a:latin typeface="Calibri"/>
-              <a:ea typeface="Calibri"/>
-              <a:cs typeface="Calibri"/>
-              <a:sym typeface="Calibri"/>
-            </a:endParaRPr>
-          </a:p>
-          <a:p>
-            <a:pPr defTabSz="685800">
-              <a:buSzPts val="3200"/>
-            </a:pPr>
-            <a:r>
-              <a:rPr lang="es-ES" sz="2400" b="1" dirty="0" err="1">
-                <a:solidFill>
-                  <a:srgbClr val="FFC000"/>
-                </a:solidFill>
-                <a:latin typeface="Calibri"/>
-                <a:ea typeface="Calibri"/>
-                <a:cs typeface="Calibri"/>
-                <a:sym typeface="Calibri"/>
-              </a:rPr>
-              <a:t>Topic</a:t>
-            </a:r>
-            <a:r>
-              <a:rPr lang="es-ES" sz="2400" b="1" dirty="0">
-                <a:solidFill>
-                  <a:srgbClr val="FFC000"/>
-                </a:solidFill>
-                <a:latin typeface="Calibri"/>
-                <a:ea typeface="Calibri"/>
-                <a:cs typeface="Calibri"/>
-                <a:sym typeface="Calibri"/>
-              </a:rPr>
-              <a:t>:  	</a:t>
-            </a:r>
-            <a:r>
-              <a:rPr lang="es-ES" sz="2400" dirty="0" err="1">
-                <a:solidFill>
-                  <a:srgbClr val="FFC000"/>
-                </a:solidFill>
-                <a:latin typeface="Calibri"/>
-                <a:ea typeface="Calibri"/>
-                <a:cs typeface="Calibri"/>
-                <a:sym typeface="Calibri"/>
-              </a:rPr>
-              <a:t>Concepts</a:t>
-            </a:r>
-            <a:r>
-              <a:rPr lang="es-ES" sz="2400" dirty="0">
-                <a:solidFill>
-                  <a:srgbClr val="FFC000"/>
-                </a:solidFill>
-                <a:latin typeface="Calibri"/>
-                <a:ea typeface="Calibri"/>
-                <a:cs typeface="Calibri"/>
-                <a:sym typeface="Calibri"/>
-              </a:rPr>
-              <a:t> </a:t>
-            </a:r>
-            <a:r>
-              <a:rPr lang="es-ES" sz="2400" dirty="0" err="1">
-                <a:solidFill>
-                  <a:srgbClr val="FFC000"/>
-                </a:solidFill>
-                <a:latin typeface="Calibri"/>
-                <a:ea typeface="Calibri"/>
-                <a:cs typeface="Calibri"/>
-                <a:sym typeface="Calibri"/>
-              </a:rPr>
-              <a:t>basic</a:t>
-            </a:r>
-            <a:r>
-              <a:rPr lang="es-ES" sz="2400" dirty="0">
-                <a:solidFill>
-                  <a:srgbClr val="FFC000"/>
-                </a:solidFill>
-                <a:latin typeface="Calibri"/>
-                <a:ea typeface="Calibri"/>
-                <a:cs typeface="Calibri"/>
-                <a:sym typeface="Calibri"/>
-              </a:rPr>
-              <a:t> </a:t>
-            </a:r>
-            <a:r>
-              <a:rPr lang="es-ES" sz="2400" dirty="0" err="1">
-                <a:solidFill>
-                  <a:srgbClr val="FFC000"/>
-                </a:solidFill>
-                <a:latin typeface="Calibri"/>
-                <a:ea typeface="Calibri"/>
-                <a:cs typeface="Calibri"/>
-                <a:sym typeface="Calibri"/>
-              </a:rPr>
-              <a:t>of</a:t>
-            </a:r>
-            <a:r>
-              <a:rPr lang="es-ES" sz="2400" dirty="0">
-                <a:solidFill>
-                  <a:srgbClr val="FFC000"/>
-                </a:solidFill>
-                <a:latin typeface="Calibri"/>
-                <a:ea typeface="Calibri"/>
-                <a:cs typeface="Calibri"/>
-                <a:sym typeface="Calibri"/>
-              </a:rPr>
-              <a:t> Deep Learning </a:t>
-            </a:r>
-            <a:endParaRPr sz="1050" dirty="0">
-              <a:solidFill>
-                <a:srgbClr val="FFC000"/>
-              </a:solidFill>
-            </a:endParaRPr>
-          </a:p>
-          <a:p>
-            <a:pPr defTabSz="685800">
-              <a:buSzPts val="2800"/>
-            </a:pPr>
-            <a:r>
-              <a:rPr lang="es-ES" sz="2100" b="1" dirty="0">
-                <a:solidFill>
-                  <a:srgbClr val="FFC000"/>
-                </a:solidFill>
-                <a:latin typeface="Calibri"/>
-                <a:ea typeface="Calibri"/>
-                <a:cs typeface="Calibri"/>
-                <a:sym typeface="Calibri"/>
-              </a:rPr>
-              <a:t>________________________________________________</a:t>
-            </a:r>
-            <a:endParaRPr sz="1050" dirty="0">
-              <a:solidFill>
-                <a:srgbClr val="FFC000"/>
-              </a:solidFill>
-            </a:endParaRPr>
-          </a:p>
-          <a:p>
-            <a:pPr defTabSz="685800">
-              <a:buSzPts val="2800"/>
-            </a:pPr>
-            <a:r>
-              <a:rPr lang="es-ES" sz="2100" b="1" dirty="0" err="1">
-                <a:solidFill>
-                  <a:srgbClr val="FFC000"/>
-                </a:solidFill>
-                <a:latin typeface="Calibri"/>
-                <a:ea typeface="Calibri"/>
-                <a:cs typeface="Calibri"/>
-                <a:sym typeface="Calibri"/>
-              </a:rPr>
-              <a:t>Professor</a:t>
-            </a:r>
-            <a:r>
-              <a:rPr lang="es-ES" sz="2100" b="1" dirty="0">
-                <a:solidFill>
-                  <a:srgbClr val="FFC000"/>
-                </a:solidFill>
-                <a:latin typeface="Calibri"/>
-                <a:ea typeface="Calibri"/>
-                <a:cs typeface="Calibri"/>
-                <a:sym typeface="Calibri"/>
-              </a:rPr>
-              <a:t>:</a:t>
-            </a:r>
-            <a:r>
-              <a:rPr lang="es-ES" sz="2100" dirty="0">
-                <a:solidFill>
-                  <a:srgbClr val="FFC000"/>
-                </a:solidFill>
-                <a:latin typeface="Calibri"/>
-                <a:ea typeface="Calibri"/>
-                <a:cs typeface="Calibri"/>
-                <a:sym typeface="Calibri"/>
-              </a:rPr>
-              <a:t> 	Luis Fernando Castellanos Guarin</a:t>
-            </a:r>
-            <a:endParaRPr sz="1050" dirty="0">
-              <a:solidFill>
-                <a:srgbClr val="FFC000"/>
-              </a:solidFill>
-            </a:endParaRPr>
-          </a:p>
-          <a:p>
-            <a:pPr defTabSz="685800">
-              <a:buSzPts val="2800"/>
-            </a:pPr>
-            <a:r>
-              <a:rPr lang="es-ES" sz="2100" b="1" dirty="0">
-                <a:solidFill>
-                  <a:srgbClr val="FFC000"/>
-                </a:solidFill>
-                <a:latin typeface="Calibri"/>
-                <a:ea typeface="Calibri"/>
-                <a:cs typeface="Calibri"/>
-                <a:sym typeface="Calibri"/>
-              </a:rPr>
-              <a:t>Email:</a:t>
-            </a:r>
-            <a:r>
-              <a:rPr lang="es-ES" sz="2100" dirty="0">
-                <a:solidFill>
-                  <a:srgbClr val="FFC000"/>
-                </a:solidFill>
-                <a:latin typeface="Calibri"/>
-                <a:ea typeface="Calibri"/>
-                <a:cs typeface="Calibri"/>
-                <a:sym typeface="Calibri"/>
-              </a:rPr>
-              <a:t> 	</a:t>
-            </a:r>
-            <a:r>
-              <a:rPr lang="es-ES" sz="2100" u="sng" dirty="0">
-                <a:solidFill>
-                  <a:srgbClr val="FFC000"/>
-                </a:solidFill>
-                <a:latin typeface="Calibri"/>
-                <a:ea typeface="Calibri"/>
-                <a:cs typeface="Calibri"/>
-                <a:sym typeface="Calibri"/>
-                <a:hlinkClick r:id="rId4"/>
-              </a:rPr>
-              <a:t>Luis.castellanosg@usantoto.edu.co</a:t>
-            </a:r>
-            <a:endParaRPr sz="2100" dirty="0">
-              <a:solidFill>
-                <a:srgbClr val="FFC000"/>
-              </a:solidFill>
-              <a:latin typeface="Calibri"/>
-              <a:ea typeface="Calibri"/>
-              <a:cs typeface="Calibri"/>
-              <a:sym typeface="Calibri"/>
-            </a:endParaRPr>
-          </a:p>
-          <a:p>
-            <a:pPr defTabSz="685800">
-              <a:buSzPts val="2800"/>
-            </a:pPr>
-            <a:r>
-              <a:rPr lang="es-ES" sz="2100" b="1" dirty="0" err="1">
-                <a:solidFill>
-                  <a:srgbClr val="FFC000"/>
-                </a:solidFill>
-                <a:latin typeface="Calibri"/>
-                <a:ea typeface="Calibri"/>
-                <a:cs typeface="Calibri"/>
-                <a:sym typeface="Calibri"/>
-              </a:rPr>
-              <a:t>Phone</a:t>
-            </a:r>
-            <a:r>
-              <a:rPr lang="es-ES" sz="2100" b="1" dirty="0">
-                <a:solidFill>
-                  <a:srgbClr val="FFC000"/>
-                </a:solidFill>
-                <a:latin typeface="Calibri"/>
-                <a:ea typeface="Calibri"/>
-                <a:cs typeface="Calibri"/>
-                <a:sym typeface="Calibri"/>
-              </a:rPr>
-              <a:t>: </a:t>
-            </a:r>
-            <a:r>
-              <a:rPr lang="es-ES" sz="2100" dirty="0">
-                <a:solidFill>
-                  <a:srgbClr val="FFC000"/>
-                </a:solidFill>
-                <a:latin typeface="Calibri"/>
-                <a:ea typeface="Calibri"/>
-                <a:cs typeface="Calibri"/>
-                <a:sym typeface="Calibri"/>
-              </a:rPr>
-              <a:t>         3214582098</a:t>
-            </a:r>
-            <a:endParaRPr sz="2400" dirty="0">
-              <a:solidFill>
-                <a:srgbClr val="FFC000"/>
-              </a:solidFill>
-              <a:latin typeface="Calibri"/>
+              <a:latin typeface="+mn-lt"/>
               <a:ea typeface="Calibri"/>
               <a:cs typeface="Calibri"/>
               <a:sym typeface="Calibri"/>
@@ -39566,7 +39525,7 @@
             </a:pPr>
             <a:r>
               <a:rPr lang="es-ES" dirty="0" err="1"/>
-              <a:t>Dias_utimo_pago</a:t>
+              <a:t>dias_utimo_pago</a:t>
             </a:r>
             <a:endParaRPr lang="es-ES" dirty="0"/>
           </a:p>
@@ -40164,7 +40123,7 @@
               <a:buSzPts val="1800"/>
             </a:pPr>
             <a:r>
-              <a:rPr lang="es-CO" sz="1800">
+              <a:rPr lang="es-CO" sz="1800" dirty="0">
                 <a:solidFill>
                   <a:schemeClr val="dk1"/>
                 </a:solidFill>
@@ -40175,7 +40134,7 @@
               </a:rPr>
               <a:t>Señal eléctrica</a:t>
             </a:r>
-            <a:endParaRPr/>
+            <a:endParaRPr dirty="0"/>
           </a:p>
         </p:txBody>
       </p:sp>
